--- a/emotional erwachsen/Perception (PER)/ger/apprentice/ger_PER_01_Wertschaetzung_EE_A.pptx
+++ b/emotional erwachsen/Perception (PER)/ger/apprentice/ger_PER_01_Wertschaetzung_EE_A.pptx
@@ -4,8 +4,11 @@
   <p:sldMasterIdLst>
     <p:sldMasterId id="2147483648" r:id="rId1"/>
   </p:sldMasterIdLst>
+  <p:notesMasterIdLst>
+    <p:notesMasterId r:id="rId4"/>
+  </p:notesMasterIdLst>
   <p:handoutMasterIdLst>
-    <p:handoutMasterId r:id="rId4"/>
+    <p:handoutMasterId r:id="rId5"/>
   </p:handoutMasterIdLst>
   <p:sldIdLst>
     <p:sldId id="257" r:id="rId2"/>
@@ -274,6 +277,440 @@
   </p:cSld>
   <p:clrMap bg1="lt1" tx1="dk1" bg2="lt2" tx2="dk2" accent1="accent1" accent2="accent2" accent3="accent3" accent4="accent4" accent5="accent5" accent6="accent6" hlink="hlink" folHlink="folHlink"/>
 </p:handoutMaster>
+</file>
+
+<file path=ppt/notesMasters/notesMaster1.xml><?xml version="1.0" encoding="utf-8"?>
+<p:notesMaster xmlns:a="http://schemas.openxmlformats.org/drawingml/2006/main" xmlns:r="http://schemas.openxmlformats.org/officeDocument/2006/relationships" xmlns:p="http://schemas.openxmlformats.org/presentationml/2006/main">
+  <p:cSld>
+    <p:bg>
+      <p:bgRef idx="1001">
+        <a:schemeClr val="bg1"/>
+      </p:bgRef>
+    </p:bg>
+    <p:spTree>
+      <p:nvGrpSpPr>
+        <p:cNvPr id="1" name=""/>
+        <p:cNvGrpSpPr/>
+        <p:nvPr/>
+      </p:nvGrpSpPr>
+      <p:grpSpPr>
+        <a:xfrm>
+          <a:off x="0" y="0"/>
+          <a:ext cx="0" cy="0"/>
+          <a:chOff x="0" y="0"/>
+          <a:chExt cx="0" cy="0"/>
+        </a:xfrm>
+      </p:grpSpPr>
+      <p:sp>
+        <p:nvSpPr>
+          <p:cNvPr id="2" name="Überschriftenplatzhalter 1"/>
+          <p:cNvSpPr>
+            <a:spLocks noGrp="1"/>
+          </p:cNvSpPr>
+          <p:nvPr>
+            <p:ph type="hdr" sz="quarter"/>
+          </p:nvPr>
+        </p:nvSpPr>
+        <p:spPr>
+          <a:xfrm>
+            <a:off x="0" y="0"/>
+            <a:ext cx="2971800" cy="457200"/>
+          </a:xfrm>
+          <a:prstGeom prst="rect">
+            <a:avLst/>
+          </a:prstGeom>
+        </p:spPr>
+        <p:txBody>
+          <a:bodyPr vert="horz" lIns="91440" tIns="45720" rIns="91440" bIns="45720" rtlCol="0"/>
+          <a:lstStyle>
+            <a:lvl1pPr algn="l">
+              <a:defRPr sz="1200"/>
+            </a:lvl1pPr>
+          </a:lstStyle>
+          <a:p>
+            <a:endParaRPr lang="de-DE"/>
+          </a:p>
+        </p:txBody>
+      </p:sp>
+      <p:sp>
+        <p:nvSpPr>
+          <p:cNvPr id="3" name="Datumsplatzhalter 2"/>
+          <p:cNvSpPr>
+            <a:spLocks noGrp="1"/>
+          </p:cNvSpPr>
+          <p:nvPr>
+            <p:ph type="dt" idx="1"/>
+          </p:nvPr>
+        </p:nvSpPr>
+        <p:spPr>
+          <a:xfrm>
+            <a:off x="3884613" y="0"/>
+            <a:ext cx="2971800" cy="457200"/>
+          </a:xfrm>
+          <a:prstGeom prst="rect">
+            <a:avLst/>
+          </a:prstGeom>
+        </p:spPr>
+        <p:txBody>
+          <a:bodyPr vert="horz" lIns="91440" tIns="45720" rIns="91440" bIns="45720" rtlCol="0"/>
+          <a:lstStyle>
+            <a:lvl1pPr algn="r">
+              <a:defRPr sz="1200"/>
+            </a:lvl1pPr>
+          </a:lstStyle>
+          <a:p>
+            <a:fld id="{66BB7629-EFFC-A349-AF1F-E914C833976E}" type="datetimeFigureOut">
+              <a:rPr lang="de-DE" smtClean="0"/>
+              <a:t>15.07.15</a:t>
+            </a:fld>
+            <a:endParaRPr lang="de-DE"/>
+          </a:p>
+        </p:txBody>
+      </p:sp>
+      <p:sp>
+        <p:nvSpPr>
+          <p:cNvPr id="4" name="Folienbildplatzhalter 3"/>
+          <p:cNvSpPr>
+            <a:spLocks noGrp="1" noRot="1" noChangeAspect="1"/>
+          </p:cNvSpPr>
+          <p:nvPr>
+            <p:ph type="sldImg" idx="2"/>
+          </p:nvPr>
+        </p:nvSpPr>
+        <p:spPr>
+          <a:xfrm>
+            <a:off x="996950" y="685800"/>
+            <a:ext cx="4864100" cy="3429000"/>
+          </a:xfrm>
+          <a:prstGeom prst="rect">
+            <a:avLst/>
+          </a:prstGeom>
+          <a:noFill/>
+          <a:ln w="12700">
+            <a:solidFill>
+              <a:prstClr val="black"/>
+            </a:solidFill>
+          </a:ln>
+        </p:spPr>
+        <p:txBody>
+          <a:bodyPr vert="horz" lIns="91440" tIns="45720" rIns="91440" bIns="45720" rtlCol="0" anchor="ctr"/>
+          <a:lstStyle/>
+          <a:p>
+            <a:endParaRPr lang="de-DE"/>
+          </a:p>
+        </p:txBody>
+      </p:sp>
+      <p:sp>
+        <p:nvSpPr>
+          <p:cNvPr id="5" name="Notizenplatzhalter 4"/>
+          <p:cNvSpPr>
+            <a:spLocks noGrp="1"/>
+          </p:cNvSpPr>
+          <p:nvPr>
+            <p:ph type="body" sz="quarter" idx="3"/>
+          </p:nvPr>
+        </p:nvSpPr>
+        <p:spPr>
+          <a:xfrm>
+            <a:off x="685800" y="4343400"/>
+            <a:ext cx="5486400" cy="4114800"/>
+          </a:xfrm>
+          <a:prstGeom prst="rect">
+            <a:avLst/>
+          </a:prstGeom>
+        </p:spPr>
+        <p:txBody>
+          <a:bodyPr vert="horz" lIns="91440" tIns="45720" rIns="91440" bIns="45720" rtlCol="0"/>
+          <a:lstStyle/>
+          <a:p>
+            <a:pPr lvl="0"/>
+            <a:r>
+              <a:rPr lang="de-DE" smtClean="0"/>
+              <a:t>Mastertextformat bearbeiten</a:t>
+            </a:r>
+          </a:p>
+          <a:p>
+            <a:pPr lvl="1"/>
+            <a:r>
+              <a:rPr lang="de-DE" smtClean="0"/>
+              <a:t>Zweite Ebene</a:t>
+            </a:r>
+          </a:p>
+          <a:p>
+            <a:pPr lvl="2"/>
+            <a:r>
+              <a:rPr lang="de-DE" smtClean="0"/>
+              <a:t>Dritte Ebene</a:t>
+            </a:r>
+          </a:p>
+          <a:p>
+            <a:pPr lvl="3"/>
+            <a:r>
+              <a:rPr lang="de-DE" smtClean="0"/>
+              <a:t>Vierte Ebene</a:t>
+            </a:r>
+          </a:p>
+          <a:p>
+            <a:pPr lvl="4"/>
+            <a:r>
+              <a:rPr lang="de-DE" smtClean="0"/>
+              <a:t>Fünfte Ebene</a:t>
+            </a:r>
+            <a:endParaRPr lang="de-DE"/>
+          </a:p>
+        </p:txBody>
+      </p:sp>
+      <p:sp>
+        <p:nvSpPr>
+          <p:cNvPr id="6" name="Fußzeilenplatzhalter 5"/>
+          <p:cNvSpPr>
+            <a:spLocks noGrp="1"/>
+          </p:cNvSpPr>
+          <p:nvPr>
+            <p:ph type="ftr" sz="quarter" idx="4"/>
+          </p:nvPr>
+        </p:nvSpPr>
+        <p:spPr>
+          <a:xfrm>
+            <a:off x="0" y="8685213"/>
+            <a:ext cx="2971800" cy="457200"/>
+          </a:xfrm>
+          <a:prstGeom prst="rect">
+            <a:avLst/>
+          </a:prstGeom>
+        </p:spPr>
+        <p:txBody>
+          <a:bodyPr vert="horz" lIns="91440" tIns="45720" rIns="91440" bIns="45720" rtlCol="0" anchor="b"/>
+          <a:lstStyle>
+            <a:lvl1pPr algn="l">
+              <a:defRPr sz="1200"/>
+            </a:lvl1pPr>
+          </a:lstStyle>
+          <a:p>
+            <a:endParaRPr lang="de-DE"/>
+          </a:p>
+        </p:txBody>
+      </p:sp>
+      <p:sp>
+        <p:nvSpPr>
+          <p:cNvPr id="7" name="Foliennummernplatzhalter 6"/>
+          <p:cNvSpPr>
+            <a:spLocks noGrp="1"/>
+          </p:cNvSpPr>
+          <p:nvPr>
+            <p:ph type="sldNum" sz="quarter" idx="5"/>
+          </p:nvPr>
+        </p:nvSpPr>
+        <p:spPr>
+          <a:xfrm>
+            <a:off x="3884613" y="8685213"/>
+            <a:ext cx="2971800" cy="457200"/>
+          </a:xfrm>
+          <a:prstGeom prst="rect">
+            <a:avLst/>
+          </a:prstGeom>
+        </p:spPr>
+        <p:txBody>
+          <a:bodyPr vert="horz" lIns="91440" tIns="45720" rIns="91440" bIns="45720" rtlCol="0" anchor="b"/>
+          <a:lstStyle>
+            <a:lvl1pPr algn="r">
+              <a:defRPr sz="1200"/>
+            </a:lvl1pPr>
+          </a:lstStyle>
+          <a:p>
+            <a:fld id="{A0CF970F-677B-4E4D-A93D-9BB048C3A9C2}" type="slidenum">
+              <a:rPr lang="de-DE" smtClean="0"/>
+              <a:t>‹Nr.›</a:t>
+            </a:fld>
+            <a:endParaRPr lang="de-DE"/>
+          </a:p>
+        </p:txBody>
+      </p:sp>
+    </p:spTree>
+    <p:extLst>
+      <p:ext uri="{BB962C8B-B14F-4D97-AF65-F5344CB8AC3E}">
+        <p14:creationId xmlns:p14="http://schemas.microsoft.com/office/powerpoint/2010/main" val="3596849319"/>
+      </p:ext>
+    </p:extLst>
+  </p:cSld>
+  <p:clrMap bg1="lt1" tx1="dk1" bg2="lt2" tx2="dk2" accent1="accent1" accent2="accent2" accent3="accent3" accent4="accent4" accent5="accent5" accent6="accent6" hlink="hlink" folHlink="folHlink"/>
+  <p:notesStyle>
+    <a:lvl1pPr marL="0" algn="l" defTabSz="457200" rtl="0" eaLnBrk="1" latinLnBrk="0" hangingPunct="1">
+      <a:defRPr sz="1200" kern="1200">
+        <a:solidFill>
+          <a:schemeClr val="tx1"/>
+        </a:solidFill>
+        <a:latin typeface="+mn-lt"/>
+        <a:ea typeface="+mn-ea"/>
+        <a:cs typeface="+mn-cs"/>
+      </a:defRPr>
+    </a:lvl1pPr>
+    <a:lvl2pPr marL="457200" algn="l" defTabSz="457200" rtl="0" eaLnBrk="1" latinLnBrk="0" hangingPunct="1">
+      <a:defRPr sz="1200" kern="1200">
+        <a:solidFill>
+          <a:schemeClr val="tx1"/>
+        </a:solidFill>
+        <a:latin typeface="+mn-lt"/>
+        <a:ea typeface="+mn-ea"/>
+        <a:cs typeface="+mn-cs"/>
+      </a:defRPr>
+    </a:lvl2pPr>
+    <a:lvl3pPr marL="914400" algn="l" defTabSz="457200" rtl="0" eaLnBrk="1" latinLnBrk="0" hangingPunct="1">
+      <a:defRPr sz="1200" kern="1200">
+        <a:solidFill>
+          <a:schemeClr val="tx1"/>
+        </a:solidFill>
+        <a:latin typeface="+mn-lt"/>
+        <a:ea typeface="+mn-ea"/>
+        <a:cs typeface="+mn-cs"/>
+      </a:defRPr>
+    </a:lvl3pPr>
+    <a:lvl4pPr marL="1371600" algn="l" defTabSz="457200" rtl="0" eaLnBrk="1" latinLnBrk="0" hangingPunct="1">
+      <a:defRPr sz="1200" kern="1200">
+        <a:solidFill>
+          <a:schemeClr val="tx1"/>
+        </a:solidFill>
+        <a:latin typeface="+mn-lt"/>
+        <a:ea typeface="+mn-ea"/>
+        <a:cs typeface="+mn-cs"/>
+      </a:defRPr>
+    </a:lvl4pPr>
+    <a:lvl5pPr marL="1828800" algn="l" defTabSz="457200" rtl="0" eaLnBrk="1" latinLnBrk="0" hangingPunct="1">
+      <a:defRPr sz="1200" kern="1200">
+        <a:solidFill>
+          <a:schemeClr val="tx1"/>
+        </a:solidFill>
+        <a:latin typeface="+mn-lt"/>
+        <a:ea typeface="+mn-ea"/>
+        <a:cs typeface="+mn-cs"/>
+      </a:defRPr>
+    </a:lvl5pPr>
+    <a:lvl6pPr marL="2286000" algn="l" defTabSz="457200" rtl="0" eaLnBrk="1" latinLnBrk="0" hangingPunct="1">
+      <a:defRPr sz="1200" kern="1200">
+        <a:solidFill>
+          <a:schemeClr val="tx1"/>
+        </a:solidFill>
+        <a:latin typeface="+mn-lt"/>
+        <a:ea typeface="+mn-ea"/>
+        <a:cs typeface="+mn-cs"/>
+      </a:defRPr>
+    </a:lvl6pPr>
+    <a:lvl7pPr marL="2743200" algn="l" defTabSz="457200" rtl="0" eaLnBrk="1" latinLnBrk="0" hangingPunct="1">
+      <a:defRPr sz="1200" kern="1200">
+        <a:solidFill>
+          <a:schemeClr val="tx1"/>
+        </a:solidFill>
+        <a:latin typeface="+mn-lt"/>
+        <a:ea typeface="+mn-ea"/>
+        <a:cs typeface="+mn-cs"/>
+      </a:defRPr>
+    </a:lvl7pPr>
+    <a:lvl8pPr marL="3200400" algn="l" defTabSz="457200" rtl="0" eaLnBrk="1" latinLnBrk="0" hangingPunct="1">
+      <a:defRPr sz="1200" kern="1200">
+        <a:solidFill>
+          <a:schemeClr val="tx1"/>
+        </a:solidFill>
+        <a:latin typeface="+mn-lt"/>
+        <a:ea typeface="+mn-ea"/>
+        <a:cs typeface="+mn-cs"/>
+      </a:defRPr>
+    </a:lvl8pPr>
+    <a:lvl9pPr marL="3657600" algn="l" defTabSz="457200" rtl="0" eaLnBrk="1" latinLnBrk="0" hangingPunct="1">
+      <a:defRPr sz="1200" kern="1200">
+        <a:solidFill>
+          <a:schemeClr val="tx1"/>
+        </a:solidFill>
+        <a:latin typeface="+mn-lt"/>
+        <a:ea typeface="+mn-ea"/>
+        <a:cs typeface="+mn-cs"/>
+      </a:defRPr>
+    </a:lvl9pPr>
+  </p:notesStyle>
+</p:notesMaster>
+</file>
+
+<file path=ppt/notesSlides/notesSlide1.xml><?xml version="1.0" encoding="utf-8"?>
+<p:notes xmlns:a="http://schemas.openxmlformats.org/drawingml/2006/main" xmlns:r="http://schemas.openxmlformats.org/officeDocument/2006/relationships" xmlns:p="http://schemas.openxmlformats.org/presentationml/2006/main">
+  <p:cSld>
+    <p:spTree>
+      <p:nvGrpSpPr>
+        <p:cNvPr id="1" name=""/>
+        <p:cNvGrpSpPr/>
+        <p:nvPr/>
+      </p:nvGrpSpPr>
+      <p:grpSpPr>
+        <a:xfrm>
+          <a:off x="0" y="0"/>
+          <a:ext cx="0" cy="0"/>
+          <a:chOff x="0" y="0"/>
+          <a:chExt cx="0" cy="0"/>
+        </a:xfrm>
+      </p:grpSpPr>
+      <p:sp>
+        <p:nvSpPr>
+          <p:cNvPr id="2" name="Folienbildplatzhalter 1"/>
+          <p:cNvSpPr>
+            <a:spLocks noGrp="1" noRot="1" noChangeAspect="1"/>
+          </p:cNvSpPr>
+          <p:nvPr>
+            <p:ph type="sldImg"/>
+          </p:nvPr>
+        </p:nvSpPr>
+        <p:spPr/>
+      </p:sp>
+      <p:sp>
+        <p:nvSpPr>
+          <p:cNvPr id="3" name="Notizenplatzhalter 2"/>
+          <p:cNvSpPr>
+            <a:spLocks noGrp="1"/>
+          </p:cNvSpPr>
+          <p:nvPr>
+            <p:ph type="body" idx="1"/>
+          </p:nvPr>
+        </p:nvSpPr>
+        <p:spPr/>
+        <p:txBody>
+          <a:bodyPr/>
+          <a:lstStyle/>
+          <a:p>
+            <a:endParaRPr lang="de-DE" dirty="0"/>
+          </a:p>
+        </p:txBody>
+      </p:sp>
+      <p:sp>
+        <p:nvSpPr>
+          <p:cNvPr id="4" name="Foliennummernplatzhalter 3"/>
+          <p:cNvSpPr>
+            <a:spLocks noGrp="1"/>
+          </p:cNvSpPr>
+          <p:nvPr>
+            <p:ph type="sldNum" sz="quarter" idx="10"/>
+          </p:nvPr>
+        </p:nvSpPr>
+        <p:spPr/>
+        <p:txBody>
+          <a:bodyPr/>
+          <a:lstStyle/>
+          <a:p>
+            <a:fld id="{A0CF970F-677B-4E4D-A93D-9BB048C3A9C2}" type="slidenum">
+              <a:rPr lang="de-DE" smtClean="0"/>
+              <a:t>2</a:t>
+            </a:fld>
+            <a:endParaRPr lang="de-DE"/>
+          </a:p>
+        </p:txBody>
+      </p:sp>
+    </p:spTree>
+    <p:extLst>
+      <p:ext uri="{BB962C8B-B14F-4D97-AF65-F5344CB8AC3E}">
+        <p14:creationId xmlns:p14="http://schemas.microsoft.com/office/powerpoint/2010/main" val="810580987"/>
+      </p:ext>
+    </p:extLst>
+  </p:cSld>
+  <p:clrMapOvr>
+    <a:masterClrMapping/>
+  </p:clrMapOvr>
+</p:notes>
 </file>
 
 <file path=ppt/slideLayouts/slideLayout1.xml><?xml version="1.0" encoding="utf-8"?>
@@ -1960,7 +2397,7 @@
           <p:nvPr/>
         </p:nvPicPr>
         <p:blipFill>
-          <a:blip r:embed="rId2">
+          <a:blip r:embed="rId3">
             <a:extLst>
               <a:ext uri="{28A0092B-C50C-407E-A947-70E740481C1C}">
                 <a14:useLocalDpi xmlns:a14="http://schemas.microsoft.com/office/drawing/2010/main" val="0"/>
@@ -1973,7 +2410,7 @@
         </p:blipFill>
         <p:spPr>
           <a:xfrm>
-            <a:off x="6614110" y="4352012"/>
+            <a:off x="6435358" y="1915332"/>
             <a:ext cx="901700" cy="901700"/>
           </a:xfrm>
           <a:prstGeom prst="rect">
@@ -1994,7 +2431,7 @@
         <p:spPr>
           <a:xfrm>
             <a:off x="858838" y="1555750"/>
-            <a:ext cx="6260032" cy="3505770"/>
+            <a:ext cx="6366500" cy="3505770"/>
           </a:xfrm>
         </p:spPr>
         <p:txBody>
@@ -2024,77 +2461,276 @@
           <a:p>
             <a:r>
               <a:rPr lang="de-DE" dirty="0" smtClean="0"/>
-              <a:t>Versuche, diese Momente wahrzunehmen, wenn Dich jemand ärgert oder aufregt oder Du spürst, wie Du jemand ablehnst.</a:t>
-            </a:r>
-          </a:p>
-          <a:p>
-            <a:r>
-              <a:rPr lang="de-DE" dirty="0" smtClean="0"/>
-              <a:t>Stelle Dir folgende Frage: Gibt es ein kleines Detail, das ich an diesem Menschen gut finde? Versuche, etwas zu finden und sei es noch so klein. Wenn Du das in der Situation nicht kannst, mache die Übung möglichst kurz danach.</a:t>
-            </a:r>
-            <a:endParaRPr lang="de-DE" dirty="0"/>
-          </a:p>
-          <a:p>
-            <a:r>
-              <a:rPr lang="de-DE" dirty="0"/>
-              <a:t>Schreibe in zwei Wochen acht </a:t>
-            </a:r>
-            <a:r>
-              <a:rPr lang="de-DE" dirty="0" smtClean="0"/>
-              <a:t>dieser </a:t>
-            </a:r>
-            <a:r>
-              <a:rPr lang="de-DE" dirty="0"/>
-              <a:t>B</a:t>
-            </a:r>
-            <a:r>
-              <a:rPr lang="de-DE" dirty="0" smtClean="0"/>
-              <a:t>egegnungen </a:t>
-            </a:r>
-            <a:r>
-              <a:rPr lang="de-DE" dirty="0"/>
-              <a:t>auf und besprich sie mit Deinen Trainingspartnern</a:t>
-            </a:r>
-            <a:r>
-              <a:rPr lang="de-DE" dirty="0" smtClean="0"/>
-              <a:t>.</a:t>
-            </a:r>
-          </a:p>
-          <a:p>
-            <a:r>
-              <a:rPr lang="de-DE" dirty="0" smtClean="0"/>
-              <a:t>Solltest Du in der Situation emotional zu aufgeladen sein, hilft Dir ein kleiner Trick, um Abstand zu gewinnen:</a:t>
+              <a:t>Versuche, diese Momente wahrzunehmen, wenn Dich jemand ärgert oder aufregt oder </a:t>
             </a:r>
             <a:br>
               <a:rPr lang="de-DE" dirty="0" smtClean="0"/>
             </a:br>
             <a:r>
               <a:rPr lang="de-DE" dirty="0" smtClean="0"/>
-              <a:t>Stelle Dir vor, dass Dein Gegenüber einen Hirntumor hat, der das </a:t>
-            </a:r>
+              <a:t>Du spürst, wie Du jemand ablehnst.</a:t>
+            </a:r>
+          </a:p>
+          <a:p>
+            <a:r>
+              <a:rPr lang="de-DE" dirty="0" smtClean="0"/>
+              <a:t>Stelle Dir folgende Frage: Gibt es ein kleines Detail, das ich an diesem Menschen gut finde? Versuche, etwas zu finden und sei es noch so klein. Wenn Du das in der Situation nicht kannst, mache die Übung möglichst kurz danach.</a:t>
+            </a:r>
+            <a:endParaRPr lang="de-DE" dirty="0"/>
+          </a:p>
+          <a:p>
             <a:r>
               <a:rPr lang="de-DE" dirty="0"/>
-              <a:t>V</a:t>
+              <a:t>Schreibe in zwei Wochen acht </a:t>
             </a:r>
             <a:r>
               <a:rPr lang="de-DE" dirty="0" smtClean="0"/>
-              <a:t>erhalten auslöst und er nicht anders agieren kann. Das hilft Dir, sein Verhalten nicht auf Dich zu beziehen und emotional auszusteigen.</a:t>
+              <a:t>dieser </a:t>
+            </a:r>
+            <a:r>
+              <a:rPr lang="de-DE" dirty="0"/>
+              <a:t>B</a:t>
+            </a:r>
+            <a:r>
+              <a:rPr lang="de-DE" dirty="0" smtClean="0"/>
+              <a:t>egegnungen </a:t>
+            </a:r>
+            <a:r>
+              <a:rPr lang="de-DE" dirty="0"/>
+              <a:t>auf und besprich sie mit Deinen Trainingspartnern</a:t>
+            </a:r>
+            <a:r>
+              <a:rPr lang="de-DE" dirty="0" smtClean="0"/>
+              <a:t>.</a:t>
+            </a:r>
+          </a:p>
+          <a:p>
+            <a:r>
+              <a:rPr lang="de-DE" dirty="0" smtClean="0"/>
+              <a:t>Solltest Du in der Situation emotional zu aufgeladen sein, hilft Dir ein kleiner Trick, um Abstand zu gewinnen:</a:t>
             </a:r>
             <a:br>
               <a:rPr lang="de-DE" dirty="0" smtClean="0"/>
             </a:br>
             <a:r>
               <a:rPr lang="de-DE" dirty="0" smtClean="0"/>
-              <a:t> Mit diesem Trick kannst Du auch wahrnehmen, wie sehr Deine Gefühle von Dir und</a:t>
+              <a:t>Stelle Dir vor, dass Dein Gegenüber einen Hirntumor hat, der das </a:t>
+            </a:r>
+            <a:r>
+              <a:rPr lang="de-DE" dirty="0"/>
+              <a:t>V</a:t>
+            </a:r>
+            <a:r>
+              <a:rPr lang="de-DE" dirty="0" smtClean="0"/>
+              <a:t>erhalten auslöst und er nicht anders agieren kann. Das hilft Dir, sein Verhalten nicht auf Dich zu beziehen und emotional auszusteigen.</a:t>
             </a:r>
             <a:br>
               <a:rPr lang="de-DE" dirty="0" smtClean="0"/>
             </a:br>
             <a:r>
               <a:rPr lang="de-DE" dirty="0" smtClean="0"/>
-              <a:t>Deiner ganz persönlichen Interpretation der Welt abhängen.</a:t>
+              <a:t> Mit diesem Trick kannst Du auch wahrnehmen, wie sehr Deine Gefühle von Dir und Deiner ganz persönlichen Interpretation der Welt abhängen.</a:t>
             </a:r>
             <a:endParaRPr lang="de-DE" dirty="0"/>
+          </a:p>
+        </p:txBody>
+      </p:sp>
+      <p:sp>
+        <p:nvSpPr>
+          <p:cNvPr id="5" name="Textfeld 4"/>
+          <p:cNvSpPr txBox="1"/>
+          <p:nvPr/>
+        </p:nvSpPr>
+        <p:spPr>
+          <a:xfrm>
+            <a:off x="4424571" y="4835055"/>
+            <a:ext cx="2800767" cy="461665"/>
+          </a:xfrm>
+          <a:prstGeom prst="rect">
+            <a:avLst/>
+          </a:prstGeom>
+          <a:noFill/>
+        </p:spPr>
+        <p:txBody>
+          <a:bodyPr wrap="none" rtlCol="0">
+            <a:spAutoFit/>
+          </a:bodyPr>
+          <a:lstStyle/>
+          <a:p>
+            <a:r>
+              <a:rPr lang="de-DE" sz="800" dirty="0" smtClean="0">
+                <a:solidFill>
+                  <a:schemeClr val="tx1">
+                    <a:lumMod val="50000"/>
+                    <a:lumOff val="50000"/>
+                  </a:schemeClr>
+                </a:solidFill>
+                <a:latin typeface="Avenir Light"/>
+                <a:cs typeface="Avenir Light"/>
+              </a:rPr>
+              <a:t>Quelle: Maurer, R.(2012): </a:t>
+            </a:r>
+            <a:r>
+              <a:rPr lang="de-DE" sz="800" b="1" dirty="0" smtClean="0">
+                <a:solidFill>
+                  <a:schemeClr val="tx1">
+                    <a:lumMod val="50000"/>
+                    <a:lumOff val="50000"/>
+                  </a:schemeClr>
+                </a:solidFill>
+                <a:latin typeface="Avenir Light"/>
+                <a:cs typeface="Avenir Light"/>
+              </a:rPr>
+              <a:t>The </a:t>
+            </a:r>
+            <a:r>
+              <a:rPr lang="de-DE" sz="800" b="1" dirty="0">
+                <a:solidFill>
+                  <a:schemeClr val="tx1">
+                    <a:lumMod val="50000"/>
+                    <a:lumOff val="50000"/>
+                  </a:schemeClr>
+                </a:solidFill>
+                <a:latin typeface="Avenir Light"/>
+                <a:cs typeface="Avenir Light"/>
+              </a:rPr>
+              <a:t>Spirit </a:t>
+            </a:r>
+            <a:r>
+              <a:rPr lang="de-DE" sz="800" b="1" dirty="0" err="1">
+                <a:solidFill>
+                  <a:schemeClr val="tx1">
+                    <a:lumMod val="50000"/>
+                    <a:lumOff val="50000"/>
+                  </a:schemeClr>
+                </a:solidFill>
+                <a:latin typeface="Avenir Light"/>
+                <a:cs typeface="Avenir Light"/>
+              </a:rPr>
+              <a:t>of</a:t>
+            </a:r>
+            <a:r>
+              <a:rPr lang="de-DE" sz="800" b="1" dirty="0">
+                <a:solidFill>
+                  <a:schemeClr val="tx1">
+                    <a:lumMod val="50000"/>
+                    <a:lumOff val="50000"/>
+                  </a:schemeClr>
+                </a:solidFill>
+                <a:latin typeface="Avenir Light"/>
+                <a:cs typeface="Avenir Light"/>
+              </a:rPr>
+              <a:t> </a:t>
+            </a:r>
+            <a:r>
+              <a:rPr lang="de-DE" sz="800" b="1" dirty="0" err="1" smtClean="0">
+                <a:solidFill>
+                  <a:schemeClr val="tx1">
+                    <a:lumMod val="50000"/>
+                    <a:lumOff val="50000"/>
+                  </a:schemeClr>
+                </a:solidFill>
+                <a:latin typeface="Avenir Light"/>
+                <a:cs typeface="Avenir Light"/>
+              </a:rPr>
+              <a:t>Kaizen</a:t>
+            </a:r>
+            <a:r>
+              <a:rPr lang="de-DE" sz="800" b="1" dirty="0" smtClean="0">
+                <a:solidFill>
+                  <a:schemeClr val="tx1">
+                    <a:lumMod val="50000"/>
+                    <a:lumOff val="50000"/>
+                  </a:schemeClr>
+                </a:solidFill>
+                <a:latin typeface="Avenir Light"/>
+                <a:cs typeface="Avenir Light"/>
+              </a:rPr>
+              <a:t>,</a:t>
+            </a:r>
+            <a:r>
+              <a:rPr lang="de-DE" sz="800" dirty="0">
+                <a:solidFill>
+                  <a:schemeClr val="tx1">
+                    <a:lumMod val="50000"/>
+                    <a:lumOff val="50000"/>
+                  </a:schemeClr>
+                </a:solidFill>
+                <a:latin typeface="Avenir Light"/>
+                <a:cs typeface="Avenir Light"/>
+              </a:rPr>
+              <a:t> </a:t>
+            </a:r>
+            <a:r>
+              <a:rPr lang="de-DE" sz="800" dirty="0" err="1">
+                <a:solidFill>
+                  <a:schemeClr val="tx1">
+                    <a:lumMod val="50000"/>
+                    <a:lumOff val="50000"/>
+                  </a:schemeClr>
+                </a:solidFill>
+                <a:latin typeface="Avenir Light"/>
+                <a:cs typeface="Avenir Light"/>
+              </a:rPr>
+              <a:t>Mcgraw</a:t>
+            </a:r>
+            <a:r>
+              <a:rPr lang="de-DE" sz="800" dirty="0">
+                <a:solidFill>
+                  <a:schemeClr val="tx1">
+                    <a:lumMod val="50000"/>
+                    <a:lumOff val="50000"/>
+                  </a:schemeClr>
+                </a:solidFill>
+                <a:latin typeface="Avenir Light"/>
+                <a:cs typeface="Avenir Light"/>
+              </a:rPr>
+              <a:t>-Hill</a:t>
+            </a:r>
+            <a:r>
+              <a:rPr lang="de-DE" sz="800" b="1" dirty="0" smtClean="0">
+                <a:solidFill>
+                  <a:schemeClr val="tx1">
+                    <a:lumMod val="50000"/>
+                    <a:lumOff val="50000"/>
+                  </a:schemeClr>
+                </a:solidFill>
+                <a:latin typeface="Avenir Light"/>
+                <a:cs typeface="Avenir Light"/>
+              </a:rPr>
+              <a:t> </a:t>
+            </a:r>
+            <a:endParaRPr lang="de-DE" sz="800" b="1" dirty="0">
+              <a:solidFill>
+                <a:schemeClr val="tx1">
+                  <a:lumMod val="50000"/>
+                  <a:lumOff val="50000"/>
+                </a:schemeClr>
+              </a:solidFill>
+              <a:latin typeface="Avenir Light"/>
+              <a:cs typeface="Avenir Light"/>
+            </a:endParaRPr>
+          </a:p>
+          <a:p>
+            <a:r>
+              <a:rPr lang="de-DE" dirty="0" smtClean="0">
+                <a:solidFill>
+                  <a:schemeClr val="tx1">
+                    <a:lumMod val="50000"/>
+                    <a:lumOff val="50000"/>
+                  </a:schemeClr>
+                </a:solidFill>
+              </a:rPr>
+              <a:t> </a:t>
+            </a:r>
+            <a:endParaRPr lang="de-DE" dirty="0">
+              <a:solidFill>
+                <a:schemeClr val="tx1">
+                  <a:lumMod val="50000"/>
+                  <a:lumOff val="50000"/>
+                </a:schemeClr>
+              </a:solidFill>
+            </a:endParaRPr>
           </a:p>
         </p:txBody>
       </p:sp>
@@ -2749,4 +3385,324 @@
   </a:objectDefaults>
   <a:extraClrSchemeLst/>
 </a:theme>
+</file>
+
+<file path=ppt/theme/theme3.xml><?xml version="1.0" encoding="utf-8"?>
+<a:theme xmlns:a="http://schemas.openxmlformats.org/drawingml/2006/main" name="Office-Design">
+  <a:themeElements>
+    <a:clrScheme name="Office">
+      <a:dk1>
+        <a:sysClr val="windowText" lastClr="000000"/>
+      </a:dk1>
+      <a:lt1>
+        <a:sysClr val="window" lastClr="FFFFFF"/>
+      </a:lt1>
+      <a:dk2>
+        <a:srgbClr val="1F497D"/>
+      </a:dk2>
+      <a:lt2>
+        <a:srgbClr val="EEECE1"/>
+      </a:lt2>
+      <a:accent1>
+        <a:srgbClr val="4F81BD"/>
+      </a:accent1>
+      <a:accent2>
+        <a:srgbClr val="C0504D"/>
+      </a:accent2>
+      <a:accent3>
+        <a:srgbClr val="9BBB59"/>
+      </a:accent3>
+      <a:accent4>
+        <a:srgbClr val="8064A2"/>
+      </a:accent4>
+      <a:accent5>
+        <a:srgbClr val="4BACC6"/>
+      </a:accent5>
+      <a:accent6>
+        <a:srgbClr val="F79646"/>
+      </a:accent6>
+      <a:hlink>
+        <a:srgbClr val="0000FF"/>
+      </a:hlink>
+      <a:folHlink>
+        <a:srgbClr val="800080"/>
+      </a:folHlink>
+    </a:clrScheme>
+    <a:fontScheme name="Office">
+      <a:majorFont>
+        <a:latin typeface="Calibri"/>
+        <a:ea typeface=""/>
+        <a:cs typeface=""/>
+        <a:font script="Jpan" typeface="ＭＳ Ｐゴシック"/>
+        <a:font script="Hang" typeface="맑은 고딕"/>
+        <a:font script="Hans" typeface="宋体"/>
+        <a:font script="Hant" typeface="新細明體"/>
+        <a:font script="Arab" typeface="Times New Roman"/>
+        <a:font script="Hebr" typeface="Times New Roman"/>
+        <a:font script="Thai" typeface="Angsana New"/>
+        <a:font script="Ethi" typeface="Nyala"/>
+        <a:font script="Beng" typeface="Vrinda"/>
+        <a:font script="Gujr" typeface="Shruti"/>
+        <a:font script="Khmr" typeface="MoolBoran"/>
+        <a:font script="Knda" typeface="Tunga"/>
+        <a:font script="Guru" typeface="Raavi"/>
+        <a:font script="Cans" typeface="Euphemia"/>
+        <a:font script="Cher" typeface="Plantagenet Cherokee"/>
+        <a:font script="Yiii" typeface="Microsoft Yi Baiti"/>
+        <a:font script="Tibt" typeface="Microsoft Himalaya"/>
+        <a:font script="Thaa" typeface="MV Boli"/>
+        <a:font script="Deva" typeface="Mangal"/>
+        <a:font script="Telu" typeface="Gautami"/>
+        <a:font script="Taml" typeface="Latha"/>
+        <a:font script="Syrc" typeface="Estrangelo Edessa"/>
+        <a:font script="Orya" typeface="Kalinga"/>
+        <a:font script="Mlym" typeface="Kartika"/>
+        <a:font script="Laoo" typeface="DokChampa"/>
+        <a:font script="Sinh" typeface="Iskoola Pota"/>
+        <a:font script="Mong" typeface="Mongolian Baiti"/>
+        <a:font script="Viet" typeface="Times New Roman"/>
+        <a:font script="Uigh" typeface="Microsoft Uighur"/>
+        <a:font script="Geor" typeface="Sylfaen"/>
+      </a:majorFont>
+      <a:minorFont>
+        <a:latin typeface="Calibri"/>
+        <a:ea typeface=""/>
+        <a:cs typeface=""/>
+        <a:font script="Jpan" typeface="ＭＳ Ｐゴシック"/>
+        <a:font script="Hang" typeface="맑은 고딕"/>
+        <a:font script="Hans" typeface="宋体"/>
+        <a:font script="Hant" typeface="新細明體"/>
+        <a:font script="Arab" typeface="Arial"/>
+        <a:font script="Hebr" typeface="Arial"/>
+        <a:font script="Thai" typeface="Cordia New"/>
+        <a:font script="Ethi" typeface="Nyala"/>
+        <a:font script="Beng" typeface="Vrinda"/>
+        <a:font script="Gujr" typeface="Shruti"/>
+        <a:font script="Khmr" typeface="DaunPenh"/>
+        <a:font script="Knda" typeface="Tunga"/>
+        <a:font script="Guru" typeface="Raavi"/>
+        <a:font script="Cans" typeface="Euphemia"/>
+        <a:font script="Cher" typeface="Plantagenet Cherokee"/>
+        <a:font script="Yiii" typeface="Microsoft Yi Baiti"/>
+        <a:font script="Tibt" typeface="Microsoft Himalaya"/>
+        <a:font script="Thaa" typeface="MV Boli"/>
+        <a:font script="Deva" typeface="Mangal"/>
+        <a:font script="Telu" typeface="Gautami"/>
+        <a:font script="Taml" typeface="Latha"/>
+        <a:font script="Syrc" typeface="Estrangelo Edessa"/>
+        <a:font script="Orya" typeface="Kalinga"/>
+        <a:font script="Mlym" typeface="Kartika"/>
+        <a:font script="Laoo" typeface="DokChampa"/>
+        <a:font script="Sinh" typeface="Iskoola Pota"/>
+        <a:font script="Mong" typeface="Mongolian Baiti"/>
+        <a:font script="Viet" typeface="Arial"/>
+        <a:font script="Uigh" typeface="Microsoft Uighur"/>
+        <a:font script="Geor" typeface="Sylfaen"/>
+      </a:minorFont>
+    </a:fontScheme>
+    <a:fmtScheme name="Office">
+      <a:fillStyleLst>
+        <a:solidFill>
+          <a:schemeClr val="phClr"/>
+        </a:solidFill>
+        <a:gradFill rotWithShape="1">
+          <a:gsLst>
+            <a:gs pos="0">
+              <a:schemeClr val="phClr">
+                <a:tint val="50000"/>
+                <a:satMod val="300000"/>
+              </a:schemeClr>
+            </a:gs>
+            <a:gs pos="35000">
+              <a:schemeClr val="phClr">
+                <a:tint val="37000"/>
+                <a:satMod val="300000"/>
+              </a:schemeClr>
+            </a:gs>
+            <a:gs pos="100000">
+              <a:schemeClr val="phClr">
+                <a:tint val="15000"/>
+                <a:satMod val="350000"/>
+              </a:schemeClr>
+            </a:gs>
+          </a:gsLst>
+          <a:lin ang="16200000" scaled="1"/>
+        </a:gradFill>
+        <a:gradFill rotWithShape="1">
+          <a:gsLst>
+            <a:gs pos="0">
+              <a:schemeClr val="phClr">
+                <a:tint val="100000"/>
+                <a:shade val="100000"/>
+                <a:satMod val="130000"/>
+              </a:schemeClr>
+            </a:gs>
+            <a:gs pos="100000">
+              <a:schemeClr val="phClr">
+                <a:tint val="50000"/>
+                <a:shade val="100000"/>
+                <a:satMod val="350000"/>
+              </a:schemeClr>
+            </a:gs>
+          </a:gsLst>
+          <a:lin ang="16200000" scaled="0"/>
+        </a:gradFill>
+      </a:fillStyleLst>
+      <a:lnStyleLst>
+        <a:ln w="9525" cap="flat" cmpd="sng" algn="ctr">
+          <a:solidFill>
+            <a:schemeClr val="phClr">
+              <a:shade val="95000"/>
+              <a:satMod val="105000"/>
+            </a:schemeClr>
+          </a:solidFill>
+          <a:prstDash val="solid"/>
+        </a:ln>
+        <a:ln w="25400" cap="flat" cmpd="sng" algn="ctr">
+          <a:solidFill>
+            <a:schemeClr val="phClr"/>
+          </a:solidFill>
+          <a:prstDash val="solid"/>
+        </a:ln>
+        <a:ln w="38100" cap="flat" cmpd="sng" algn="ctr">
+          <a:solidFill>
+            <a:schemeClr val="phClr"/>
+          </a:solidFill>
+          <a:prstDash val="solid"/>
+        </a:ln>
+      </a:lnStyleLst>
+      <a:effectStyleLst>
+        <a:effectStyle>
+          <a:effectLst>
+            <a:outerShdw blurRad="40000" dist="20000" dir="5400000" rotWithShape="0">
+              <a:srgbClr val="000000">
+                <a:alpha val="38000"/>
+              </a:srgbClr>
+            </a:outerShdw>
+          </a:effectLst>
+        </a:effectStyle>
+        <a:effectStyle>
+          <a:effectLst>
+            <a:outerShdw blurRad="40000" dist="23000" dir="5400000" rotWithShape="0">
+              <a:srgbClr val="000000">
+                <a:alpha val="35000"/>
+              </a:srgbClr>
+            </a:outerShdw>
+          </a:effectLst>
+        </a:effectStyle>
+        <a:effectStyle>
+          <a:effectLst>
+            <a:outerShdw blurRad="40000" dist="23000" dir="5400000" rotWithShape="0">
+              <a:srgbClr val="000000">
+                <a:alpha val="35000"/>
+              </a:srgbClr>
+            </a:outerShdw>
+          </a:effectLst>
+          <a:scene3d>
+            <a:camera prst="orthographicFront">
+              <a:rot lat="0" lon="0" rev="0"/>
+            </a:camera>
+            <a:lightRig rig="threePt" dir="t">
+              <a:rot lat="0" lon="0" rev="1200000"/>
+            </a:lightRig>
+          </a:scene3d>
+          <a:sp3d>
+            <a:bevelT w="63500" h="25400"/>
+          </a:sp3d>
+        </a:effectStyle>
+      </a:effectStyleLst>
+      <a:bgFillStyleLst>
+        <a:solidFill>
+          <a:schemeClr val="phClr"/>
+        </a:solidFill>
+        <a:gradFill rotWithShape="1">
+          <a:gsLst>
+            <a:gs pos="0">
+              <a:schemeClr val="phClr">
+                <a:tint val="40000"/>
+                <a:satMod val="350000"/>
+              </a:schemeClr>
+            </a:gs>
+            <a:gs pos="40000">
+              <a:schemeClr val="phClr">
+                <a:tint val="45000"/>
+                <a:shade val="99000"/>
+                <a:satMod val="350000"/>
+              </a:schemeClr>
+            </a:gs>
+            <a:gs pos="100000">
+              <a:schemeClr val="phClr">
+                <a:shade val="20000"/>
+                <a:satMod val="255000"/>
+              </a:schemeClr>
+            </a:gs>
+          </a:gsLst>
+          <a:path path="circle">
+            <a:fillToRect l="50000" t="-80000" r="50000" b="180000"/>
+          </a:path>
+        </a:gradFill>
+        <a:gradFill rotWithShape="1">
+          <a:gsLst>
+            <a:gs pos="0">
+              <a:schemeClr val="phClr">
+                <a:tint val="80000"/>
+                <a:satMod val="300000"/>
+              </a:schemeClr>
+            </a:gs>
+            <a:gs pos="100000">
+              <a:schemeClr val="phClr">
+                <a:shade val="30000"/>
+                <a:satMod val="200000"/>
+              </a:schemeClr>
+            </a:gs>
+          </a:gsLst>
+          <a:path path="circle">
+            <a:fillToRect l="50000" t="50000" r="50000" b="50000"/>
+          </a:path>
+        </a:gradFill>
+      </a:bgFillStyleLst>
+    </a:fmtScheme>
+  </a:themeElements>
+  <a:objectDefaults>
+    <a:spDef>
+      <a:spPr/>
+      <a:bodyPr/>
+      <a:lstStyle/>
+      <a:style>
+        <a:lnRef idx="1">
+          <a:schemeClr val="accent1"/>
+        </a:lnRef>
+        <a:fillRef idx="3">
+          <a:schemeClr val="accent1"/>
+        </a:fillRef>
+        <a:effectRef idx="2">
+          <a:schemeClr val="accent1"/>
+        </a:effectRef>
+        <a:fontRef idx="minor">
+          <a:schemeClr val="lt1"/>
+        </a:fontRef>
+      </a:style>
+    </a:spDef>
+    <a:lnDef>
+      <a:spPr/>
+      <a:bodyPr/>
+      <a:lstStyle/>
+      <a:style>
+        <a:lnRef idx="2">
+          <a:schemeClr val="accent1"/>
+        </a:lnRef>
+        <a:fillRef idx="0">
+          <a:schemeClr val="accent1"/>
+        </a:fillRef>
+        <a:effectRef idx="1">
+          <a:schemeClr val="accent1"/>
+        </a:effectRef>
+        <a:fontRef idx="minor">
+          <a:schemeClr val="tx1"/>
+        </a:fontRef>
+      </a:style>
+    </a:lnDef>
+  </a:objectDefaults>
+  <a:extraClrSchemeLst/>
+</a:theme>
 </file>
--- a/emotional erwachsen/Perception (PER)/ger/apprentice/ger_PER_01_Wertschaetzung_EE_A.pptx
+++ b/emotional erwachsen/Perception (PER)/ger/apprentice/ger_PER_01_Wertschaetzung_EE_A.pptx
@@ -2334,7 +2334,7 @@
           <a:p>
             <a:r>
               <a:rPr lang="de-DE" dirty="0" smtClean="0"/>
-              <a:t>Das ist dann besonders schwierig, wenn ich Teile dieses Menschen ablehne oder er negative Gefühle bei mir hervorruft.</a:t>
+              <a:t>Das ist dann besonders schwierig, wenn ich Teile dieses Menschen ablehne oder er generell negative Gefühle bei mir hervorruft.</a:t>
             </a:r>
           </a:p>
           <a:p>
@@ -2410,7 +2410,7 @@
         </p:blipFill>
         <p:spPr>
           <a:xfrm>
-            <a:off x="6435358" y="1915332"/>
+            <a:off x="6444766" y="2094084"/>
             <a:ext cx="901700" cy="901700"/>
           </a:xfrm>
           <a:prstGeom prst="rect">
@@ -2442,94 +2442,115 @@
           <a:p>
             <a:r>
               <a:rPr lang="de-DE" dirty="0" smtClean="0"/>
-              <a:t>Am besten kannst Du Wertschätzung dort trainieren, wo Du an Deine Grenzen kommst, wo Du schlechte Gefühle hast und andere dafür verantwortlich machst, das sie sie ausgelöst haben: </a:t>
+              <a:t>Am besten kannst Du Wertschätzung dort trainieren, wo Du an Deine Grenzen kommst, wo Du </a:t>
             </a:r>
             <a:br>
               <a:rPr lang="de-DE" dirty="0" smtClean="0"/>
             </a:br>
             <a:r>
               <a:rPr lang="de-DE" dirty="0" smtClean="0"/>
-              <a:t>Bei Menschen, die Dich ärgern, aufregen oder verletzen.</a:t>
-            </a:r>
-          </a:p>
-          <a:p>
-            <a:r>
-              <a:rPr lang="de-DE" dirty="0" smtClean="0"/>
-              <a:t>Gute Trainingspartner sind auch Menschen, die Du nicht leiden kannst.</a:t>
-            </a:r>
-          </a:p>
-          <a:p>
-            <a:r>
-              <a:rPr lang="de-DE" dirty="0" smtClean="0"/>
-              <a:t>Versuche, diese Momente wahrzunehmen, wenn Dich jemand ärgert oder aufregt oder </a:t>
+              <a:t>schlechte Gefühle hast und andere dafür verantwortlich machst, dass sie sie ausgelöst haben: </a:t>
             </a:r>
             <a:br>
               <a:rPr lang="de-DE" dirty="0" smtClean="0"/>
             </a:br>
             <a:r>
               <a:rPr lang="de-DE" dirty="0" smtClean="0"/>
-              <a:t>Du spürst, wie Du jemand ablehnst.</a:t>
+              <a:t>Bei Menschen, die Dich ärgern, aufregen oder verletzen.</a:t>
             </a:r>
           </a:p>
           <a:p>
             <a:r>
               <a:rPr lang="de-DE" dirty="0" smtClean="0"/>
-              <a:t>Stelle Dir folgende Frage: Gibt es ein kleines Detail, das ich an diesem Menschen gut finde? Versuche, etwas zu finden und sei es noch so klein. Wenn Du das in der Situation nicht kannst, mache die Übung möglichst kurz danach.</a:t>
-            </a:r>
-            <a:endParaRPr lang="de-DE" dirty="0"/>
-          </a:p>
-          <a:p>
-            <a:r>
-              <a:rPr lang="de-DE" dirty="0"/>
-              <a:t>Schreibe in zwei Wochen acht </a:t>
-            </a:r>
+              <a:t>Gute Trainingspartner sind auch Menschen, die Du nicht leiden kannst.</a:t>
+            </a:r>
+          </a:p>
+          <a:p>
             <a:r>
               <a:rPr lang="de-DE" dirty="0" smtClean="0"/>
-              <a:t>dieser </a:t>
-            </a:r>
-            <a:r>
-              <a:rPr lang="de-DE" dirty="0"/>
-              <a:t>B</a:t>
-            </a:r>
-            <a:r>
-              <a:rPr lang="de-DE" dirty="0" smtClean="0"/>
-              <a:t>egegnungen </a:t>
-            </a:r>
-            <a:r>
-              <a:rPr lang="de-DE" dirty="0"/>
-              <a:t>auf und besprich sie mit Deinen Trainingspartnern</a:t>
-            </a:r>
-            <a:r>
-              <a:rPr lang="de-DE" dirty="0" smtClean="0"/>
-              <a:t>.</a:t>
-            </a:r>
-          </a:p>
-          <a:p>
-            <a:r>
-              <a:rPr lang="de-DE" dirty="0" smtClean="0"/>
-              <a:t>Solltest Du in der Situation emotional zu aufgeladen sein, hilft Dir ein kleiner Trick, um Abstand zu gewinnen:</a:t>
+              <a:t>Versuche, diese Momente wahrzunehmen, wenn Dich jemand ärgert oder aufregt oder </a:t>
             </a:r>
             <a:br>
               <a:rPr lang="de-DE" dirty="0" smtClean="0"/>
             </a:br>
             <a:r>
               <a:rPr lang="de-DE" dirty="0" smtClean="0"/>
-              <a:t>Stelle Dir vor, dass Dein Gegenüber einen Hirntumor hat, der das </a:t>
-            </a:r>
-            <a:r>
-              <a:rPr lang="de-DE" dirty="0"/>
-              <a:t>V</a:t>
-            </a:r>
+              <a:t>Du spürst, wie Du jemand ablehnst.</a:t>
+            </a:r>
+          </a:p>
+          <a:p>
             <a:r>
               <a:rPr lang="de-DE" dirty="0" smtClean="0"/>
-              <a:t>erhalten auslöst und er nicht anders agieren kann. Das hilft Dir, sein Verhalten nicht auf Dich zu beziehen und emotional auszusteigen.</a:t>
+              <a:t>Stelle Dir folgende Frage: Gibt es ein kleines Detail, das ich an diesem Menschen gut finde? </a:t>
             </a:r>
             <a:br>
               <a:rPr lang="de-DE" dirty="0" smtClean="0"/>
             </a:br>
             <a:r>
               <a:rPr lang="de-DE" dirty="0" smtClean="0"/>
-              <a:t> Mit diesem Trick kannst Du auch wahrnehmen, wie sehr Deine Gefühle von Dir und Deiner ganz persönlichen Interpretation der Welt abhängen.</a:t>
+              <a:t>Versuche, etwas zu finden und sei es noch so klein. Wenn Du das in der Situation nicht kannst, </a:t>
+            </a:r>
+            <a:br>
+              <a:rPr lang="de-DE" dirty="0" smtClean="0"/>
+            </a:br>
+            <a:r>
+              <a:rPr lang="de-DE" dirty="0" smtClean="0"/>
+              <a:t>mache die Übung möglichst kurz danach.</a:t>
+            </a:r>
+            <a:endParaRPr lang="de-DE" dirty="0"/>
+          </a:p>
+          <a:p>
+            <a:r>
+              <a:rPr lang="de-DE" dirty="0"/>
+              <a:t>Schreibe in zwei Wochen acht </a:t>
+            </a:r>
+            <a:r>
+              <a:rPr lang="de-DE" dirty="0" smtClean="0"/>
+              <a:t>dieser </a:t>
+            </a:r>
+            <a:r>
+              <a:rPr lang="de-DE" dirty="0"/>
+              <a:t>B</a:t>
+            </a:r>
+            <a:r>
+              <a:rPr lang="de-DE" dirty="0" smtClean="0"/>
+              <a:t>egegnungen </a:t>
+            </a:r>
+            <a:r>
+              <a:rPr lang="de-DE" dirty="0"/>
+              <a:t>auf und besprich sie mit Deinen Trainingspartnern</a:t>
+            </a:r>
+            <a:r>
+              <a:rPr lang="de-DE" dirty="0" smtClean="0"/>
+              <a:t>.</a:t>
+            </a:r>
+          </a:p>
+          <a:p>
+            <a:r>
+              <a:rPr lang="de-DE" dirty="0" smtClean="0"/>
+              <a:t>Solltest Du in der Situation emotional zu aufgeladen sein, hilft Dir ein kleiner Trick, um Abstand zu gewinnen:</a:t>
+            </a:r>
+            <a:br>
+              <a:rPr lang="de-DE" dirty="0" smtClean="0"/>
+            </a:br>
+            <a:r>
+              <a:rPr lang="de-DE" dirty="0" smtClean="0"/>
+              <a:t>Stelle Dir vor, dass Dein Gegenüber einen Hirntumor hat, der das </a:t>
+            </a:r>
+            <a:r>
+              <a:rPr lang="de-DE" dirty="0"/>
+              <a:t>V</a:t>
+            </a:r>
+            <a:r>
+              <a:rPr lang="de-DE" dirty="0" smtClean="0"/>
+              <a:t>erhalten auslöst und er nicht anders agieren kann. Das hilft Dir, sein Verhalten nicht auf Dich zu beziehen und emotional auszusteigen.</a:t>
+            </a:r>
+            <a:br>
+              <a:rPr lang="de-DE" dirty="0" smtClean="0"/>
+            </a:br>
+            <a:r>
+              <a:rPr lang="de-DE" dirty="0" smtClean="0"/>
+              <a:t>Mit diesem Trick kannst Du auch wahrnehmen, wie sehr Deine Gefühle von Dir und Deiner ganz persönlichen Interpretation der Welt abhängen.</a:t>
             </a:r>
             <a:endParaRPr lang="de-DE" dirty="0"/>
           </a:p>

--- a/emotional erwachsen/Perception (PER)/ger/apprentice/ger_PER_01_Wertschaetzung_EE_A.pptx
+++ b/emotional erwachsen/Perception (PER)/ger/apprentice/ger_PER_01_Wertschaetzung_EE_A.pptx
@@ -2340,13 +2340,21 @@
           <a:p>
             <a:r>
               <a:rPr lang="de-DE" dirty="0" smtClean="0"/>
-              <a:t>Gerade dann ist es besonders wichtig, hinzuschauen, denn andere Menschen fungieren für mich als Spiegel und weisen mich auf meine Schatten hin, die ich zum Teil kenne, aber häufig auch so grundlegend ablehne, dass sie mir nicht bewusst sind.</a:t>
-            </a:r>
-          </a:p>
-          <a:p>
+              <a:t>Gerade dann ist es besonders wichtig, hinzuschauen, denn andere Menschen fungieren für mich als Spiegel und weisen mich auf meine Schatten hin, die ich zum Teil kenne, aber häufig auch </a:t>
+            </a:r>
+            <a:r>
+              <a:rPr lang="de-DE" smtClean="0"/>
+              <a:t>so grundlegend </a:t>
+            </a:r>
             <a:r>
               <a:rPr lang="de-DE" dirty="0" smtClean="0"/>
-              <a:t>Meine Gefühle sind mir, sie haben mit mir zu tun und auch wenn sie von außen ausgelöst werden, entstehen sie in mir aufgrund meines eigenen Weltbildes und meiner Glaubenssätze. Die anderen Menschen stellen sich quasi als Auslöser zur Verfügung und ermöglichen mir, mich genau kennenzulernen. Ohne die anderen könnte ich mich nicht entdecken.</a:t>
+              <a:t>ablehne, dass sie mir nicht bewusst sind.</a:t>
+            </a:r>
+          </a:p>
+          <a:p>
+            <a:r>
+              <a:rPr lang="de-DE" dirty="0" smtClean="0"/>
+              <a:t>Meine Gefühle sind mir, sie haben mit mir zu tun und auch wenn sie von äußeren Impulsen ausgelöst werden, entstehen sie in mir aufgrund meines eigenen Weltbildes und meiner Glaubenssätze. Die anderen Menschen stellen sich quasi als Auslöser zur Verfügung und ermöglichen mir, mich genau kennenzulernen. Ohne die anderen könnte ich mich nicht entdecken.</a:t>
             </a:r>
           </a:p>
           <a:p>

--- a/emotional erwachsen/Perception (PER)/ger/apprentice/ger_PER_01_Wertschaetzung_EE_A.pptx
+++ b/emotional erwachsen/Perception (PER)/ger/apprentice/ger_PER_01_Wertschaetzung_EE_A.pptx
@@ -2340,15 +2340,7 @@
           <a:p>
             <a:r>
               <a:rPr lang="de-DE" dirty="0" smtClean="0"/>
-              <a:t>Gerade dann ist es besonders wichtig, hinzuschauen, denn andere Menschen fungieren für mich als Spiegel und weisen mich auf meine Schatten hin, die ich zum Teil kenne, aber häufig auch </a:t>
-            </a:r>
-            <a:r>
-              <a:rPr lang="de-DE" smtClean="0"/>
-              <a:t>so grundlegend </a:t>
-            </a:r>
-            <a:r>
-              <a:rPr lang="de-DE" dirty="0" smtClean="0"/>
-              <a:t>ablehne, dass sie mir nicht bewusst sind.</a:t>
+              <a:t>Gerade dann ist es besonders wichtig, hinzuschauen, denn andere Menschen fungieren für mich als Spiegel und weisen mich auf meine Schatten hin, die ich zum Teil kenne, aber häufig auch so grundlegend ablehne, dass sie mir nicht bewusst sind.</a:t>
             </a:r>
           </a:p>
           <a:p>
@@ -2572,7 +2564,7 @@
         </p:nvSpPr>
         <p:spPr>
           <a:xfrm>
-            <a:off x="4424571" y="4835055"/>
+            <a:off x="4283451" y="5057320"/>
             <a:ext cx="2800767" cy="461665"/>
           </a:xfrm>
           <a:prstGeom prst="rect">

--- a/emotional erwachsen/Perception (PER)/ger/apprentice/ger_PER_01_Wertschaetzung_EE_A.pptx
+++ b/emotional erwachsen/Perception (PER)/ger/apprentice/ger_PER_01_Wertschaetzung_EE_A.pptx
@@ -196,7 +196,7 @@
           <a:p>
             <a:fld id="{6E077CBB-2DF5-4D45-BDDD-22DB2684D07E}" type="datetimeFigureOut">
               <a:rPr lang="de-DE" smtClean="0"/>
-              <a:t>15.07.15</a:t>
+              <a:t>16.07.15</a:t>
             </a:fld>
             <a:endParaRPr lang="de-DE"/>
           </a:p>
@@ -361,7 +361,7 @@
           <a:p>
             <a:fld id="{66BB7629-EFFC-A349-AF1F-E914C833976E}" type="datetimeFigureOut">
               <a:rPr lang="de-DE" smtClean="0"/>
-              <a:t>15.07.15</a:t>
+              <a:t>16.07.15</a:t>
             </a:fld>
             <a:endParaRPr lang="de-DE"/>
           </a:p>
@@ -1406,7 +1406,7 @@
           <a:p>
             <a:fld id="{FF5B2BAF-DF38-0A48-A798-0C06E514FD52}" type="datetimeFigureOut">
               <a:rPr lang="de-DE" smtClean="0"/>
-              <a:t>15.07.15</a:t>
+              <a:t>16.07.15</a:t>
             </a:fld>
             <a:endParaRPr lang="de-DE" dirty="0"/>
           </a:p>
@@ -1696,7 +1696,7 @@
           <a:p>
             <a:fld id="{FF5B2BAF-DF38-0A48-A798-0C06E514FD52}" type="datetimeFigureOut">
               <a:rPr lang="de-DE" smtClean="0"/>
-              <a:t>15.07.15</a:t>
+              <a:t>16.07.15</a:t>
             </a:fld>
             <a:endParaRPr lang="de-DE" dirty="0"/>
           </a:p>
@@ -2316,45 +2316,71 @@
         </p:spPr>
         <p:txBody>
           <a:bodyPr>
-            <a:normAutofit/>
+            <a:normAutofit lnSpcReduction="10000"/>
           </a:bodyPr>
           <a:lstStyle/>
           <a:p>
-            <a:r>
-              <a:rPr lang="de-DE" dirty="0" smtClean="0"/>
+            <a:pPr>
+              <a:spcBef>
+                <a:spcPts val="800"/>
+              </a:spcBef>
+            </a:pPr>
+            <a:r>
+              <a:rPr lang="de-DE" sz="1200" dirty="0" smtClean="0"/>
               <a:t>Wertschätzung bedeutet, sich nicht zu schade zu sein, die Welt aus den Augen des anderen zu sehen.</a:t>
             </a:r>
           </a:p>
           <a:p>
-            <a:r>
-              <a:rPr lang="de-DE" dirty="0" smtClean="0"/>
-              <a:t>Das schließt ein, dass man sich auf sein Gegenüber einlassen muss, auf dessen Erwartungshaltungen, auf dessen Sicht der Welt.</a:t>
-            </a:r>
-          </a:p>
-          <a:p>
-            <a:r>
-              <a:rPr lang="de-DE" dirty="0" smtClean="0"/>
-              <a:t>Das ist dann besonders schwierig, wenn ich Teile dieses Menschen ablehne oder er generell negative Gefühle bei mir hervorruft.</a:t>
-            </a:r>
-          </a:p>
-          <a:p>
-            <a:r>
-              <a:rPr lang="de-DE" dirty="0" smtClean="0"/>
-              <a:t>Gerade dann ist es besonders wichtig, hinzuschauen, denn andere Menschen fungieren für mich als Spiegel und weisen mich auf meine Schatten hin, die ich zum Teil kenne, aber häufig auch so grundlegend ablehne, dass sie mir nicht bewusst sind.</a:t>
-            </a:r>
-          </a:p>
-          <a:p>
-            <a:r>
-              <a:rPr lang="de-DE" dirty="0" smtClean="0"/>
-              <a:t>Meine Gefühle sind mir, sie haben mit mir zu tun und auch wenn sie von äußeren Impulsen ausgelöst werden, entstehen sie in mir aufgrund meines eigenen Weltbildes und meiner Glaubenssätze. Die anderen Menschen stellen sich quasi als Auslöser zur Verfügung und ermöglichen mir, mich genau kennenzulernen. Ohne die anderen könnte ich mich nicht entdecken.</a:t>
-            </a:r>
-          </a:p>
-          <a:p>
-            <a:r>
-              <a:rPr lang="de-DE" dirty="0" smtClean="0"/>
-              <a:t>In dem ich dem anderen einen Raum gebe in meiner Welt, lasse ich ihn einen echten Teil meines Lebens sein. Ich räume diesem Menschen einen Platz ein, so wie er ist.</a:t>
-            </a:r>
-            <a:endParaRPr lang="de-DE" dirty="0"/>
+            <a:pPr>
+              <a:spcBef>
+                <a:spcPts val="800"/>
+              </a:spcBef>
+            </a:pPr>
+            <a:r>
+              <a:rPr lang="de-DE" sz="1200" dirty="0" smtClean="0"/>
+              <a:t>Am </a:t>
+            </a:r>
+            <a:r>
+              <a:rPr lang="de-DE" sz="1200" dirty="0"/>
+              <a:t>besten kannst Du Wertschätzung dort trainieren, wo Du an Deine Grenzen kommst, wo Du schlechte Gefühle hast und andere dafür verantwortlich machst, dass sie sie ausgelöst haben: Bei Menschen, die Dich ärgern, aufregen oder verletzen. </a:t>
+            </a:r>
+            <a:r>
+              <a:rPr lang="de-DE" sz="1200" dirty="0" smtClean="0"/>
+              <a:t/>
+            </a:r>
+            <a:br>
+              <a:rPr lang="de-DE" sz="1200" dirty="0" smtClean="0"/>
+            </a:br>
+            <a:r>
+              <a:rPr lang="de-DE" sz="1200" dirty="0" smtClean="0"/>
+              <a:t>Die </a:t>
+            </a:r>
+            <a:r>
+              <a:rPr lang="de-DE" sz="1200" dirty="0"/>
+              <a:t>besten Trainingspartner sind Menschen, die Du nicht leiden kannst.</a:t>
+            </a:r>
+          </a:p>
+          <a:p>
+            <a:pPr>
+              <a:spcBef>
+                <a:spcPts val="800"/>
+              </a:spcBef>
+            </a:pPr>
+            <a:r>
+              <a:rPr lang="de-DE" sz="1200" dirty="0"/>
+              <a:t>Andere Menschen sind Spiegel für Dich: Alles, was Du an anderen ablehnst, lehnst Du an Dir selbst ab - bewusst oder unbewusst.</a:t>
+            </a:r>
+          </a:p>
+          <a:p>
+            <a:pPr>
+              <a:spcBef>
+                <a:spcPts val="800"/>
+              </a:spcBef>
+            </a:pPr>
+            <a:r>
+              <a:rPr lang="de-DE" sz="1200" dirty="0"/>
+              <a:t>In dem Du beginnst, andere wertzuschätzen, fängst Du an, ein Fundament der Wertschätzung für Dich selbst zu einzuziehen und Dich mit allen Deinen Facetten anzunehmen.</a:t>
+            </a:r>
           </a:p>
         </p:txBody>
       </p:sp>
@@ -2410,7 +2436,7 @@
         </p:blipFill>
         <p:spPr>
           <a:xfrm>
-            <a:off x="6444766" y="2094084"/>
+            <a:off x="6538846" y="4187204"/>
             <a:ext cx="901700" cy="901700"/>
           </a:xfrm>
           <a:prstGeom prst="rect">
@@ -2431,126 +2457,149 @@
         <p:spPr>
           <a:xfrm>
             <a:off x="858838" y="1555750"/>
-            <a:ext cx="6366500" cy="3505770"/>
+            <a:ext cx="6366500" cy="3570786"/>
           </a:xfrm>
         </p:spPr>
         <p:txBody>
           <a:bodyPr>
-            <a:normAutofit lnSpcReduction="10000"/>
+            <a:normAutofit/>
           </a:bodyPr>
           <a:lstStyle/>
           <a:p>
             <a:r>
-              <a:rPr lang="de-DE" dirty="0" smtClean="0"/>
-              <a:t>Am besten kannst Du Wertschätzung dort trainieren, wo Du an Deine Grenzen kommst, wo Du </a:t>
+              <a:rPr lang="de-DE" sz="1050" dirty="0" smtClean="0"/>
+              <a:t>Versuche</a:t>
+            </a:r>
+            <a:r>
+              <a:rPr lang="de-DE" sz="1050" dirty="0" smtClean="0"/>
+              <a:t>, diese Momente wahrzunehmen, wenn Dich jemand ärgert oder aufregt oder </a:t>
             </a:r>
             <a:br>
-              <a:rPr lang="de-DE" dirty="0" smtClean="0"/>
+              <a:rPr lang="de-DE" sz="1050" dirty="0" smtClean="0"/>
             </a:br>
             <a:r>
-              <a:rPr lang="de-DE" dirty="0" smtClean="0"/>
-              <a:t>schlechte Gefühle hast und andere dafür verantwortlich machst, dass sie sie ausgelöst haben: </a:t>
+              <a:rPr lang="de-DE" sz="1050" dirty="0" smtClean="0"/>
+              <a:t>Du spürst, wie Du jemand ablehnst.</a:t>
+            </a:r>
+          </a:p>
+          <a:p>
+            <a:r>
+              <a:rPr lang="de-DE" sz="1050" dirty="0" smtClean="0"/>
+              <a:t>Stelle Dir folgende Frage: Gibt es ein kleines Detail, das ich an diesem Menschen gut finde? </a:t>
             </a:r>
             <a:br>
-              <a:rPr lang="de-DE" dirty="0" smtClean="0"/>
+              <a:rPr lang="de-DE" sz="1050" dirty="0" smtClean="0"/>
             </a:br>
             <a:r>
-              <a:rPr lang="de-DE" dirty="0" smtClean="0"/>
-              <a:t>Bei Menschen, die Dich ärgern, aufregen oder verletzen.</a:t>
-            </a:r>
-          </a:p>
-          <a:p>
-            <a:r>
-              <a:rPr lang="de-DE" dirty="0" smtClean="0"/>
-              <a:t>Gute Trainingspartner sind auch Menschen, die Du nicht leiden kannst.</a:t>
-            </a:r>
-          </a:p>
-          <a:p>
-            <a:r>
-              <a:rPr lang="de-DE" dirty="0" smtClean="0"/>
-              <a:t>Versuche, diese Momente wahrzunehmen, wenn Dich jemand ärgert oder aufregt oder </a:t>
+              <a:rPr lang="de-DE" sz="1050" dirty="0" smtClean="0"/>
+              <a:t>Versuche, etwas zu finden und sei es noch so klein. Wenn Du das in der Situation nicht kannst, </a:t>
             </a:r>
             <a:br>
-              <a:rPr lang="de-DE" dirty="0" smtClean="0"/>
+              <a:rPr lang="de-DE" sz="1050" dirty="0" smtClean="0"/>
             </a:br>
             <a:r>
-              <a:rPr lang="de-DE" dirty="0" smtClean="0"/>
-              <a:t>Du spürst, wie Du jemand ablehnst.</a:t>
-            </a:r>
-          </a:p>
-          <a:p>
-            <a:r>
-              <a:rPr lang="de-DE" dirty="0" smtClean="0"/>
-              <a:t>Stelle Dir folgende Frage: Gibt es ein kleines Detail, das ich an diesem Menschen gut finde? </a:t>
+              <a:rPr lang="de-DE" sz="1050" dirty="0" smtClean="0"/>
+              <a:t>mache die Übung möglichst kurz danach.</a:t>
+            </a:r>
+            <a:endParaRPr lang="de-DE" sz="1050" dirty="0"/>
+          </a:p>
+          <a:p>
+            <a:r>
+              <a:rPr lang="de-DE" sz="1050" dirty="0"/>
+              <a:t>Schreibe in zwei Wochen acht </a:t>
+            </a:r>
+            <a:r>
+              <a:rPr lang="de-DE" sz="1050" dirty="0" smtClean="0"/>
+              <a:t>dieser </a:t>
+            </a:r>
+            <a:r>
+              <a:rPr lang="de-DE" sz="1050" dirty="0"/>
+              <a:t>B</a:t>
+            </a:r>
+            <a:r>
+              <a:rPr lang="de-DE" sz="1050" dirty="0" smtClean="0"/>
+              <a:t>egegnungen </a:t>
+            </a:r>
+            <a:r>
+              <a:rPr lang="de-DE" sz="1050" dirty="0"/>
+              <a:t>auf und besprich sie mit Deinen Trainingspartnern</a:t>
+            </a:r>
+            <a:r>
+              <a:rPr lang="de-DE" sz="1050" dirty="0" smtClean="0"/>
+              <a:t>.</a:t>
+            </a:r>
+          </a:p>
+          <a:p>
+            <a:r>
+              <a:rPr lang="de-DE" sz="1050" dirty="0" smtClean="0"/>
+              <a:t>Solltest Du in der Situation emotional zu aufgeladen sein, hilft Dir ein kleiner Trick, </a:t>
+            </a:r>
+            <a:r>
+              <a:rPr lang="de-DE" sz="1050" dirty="0" smtClean="0"/>
+              <a:t/>
             </a:r>
             <a:br>
-              <a:rPr lang="de-DE" dirty="0" smtClean="0"/>
+              <a:rPr lang="de-DE" sz="1050" dirty="0" smtClean="0"/>
             </a:br>
             <a:r>
-              <a:rPr lang="de-DE" dirty="0" smtClean="0"/>
-              <a:t>Versuche, etwas zu finden und sei es noch so klein. Wenn Du das in der Situation nicht kannst, </a:t>
+              <a:rPr lang="de-DE" sz="1050" dirty="0" smtClean="0"/>
+              <a:t>um </a:t>
+            </a:r>
+            <a:r>
+              <a:rPr lang="de-DE" sz="1050" dirty="0" smtClean="0"/>
+              <a:t>Abstand zu gewinnen:</a:t>
             </a:r>
             <a:br>
-              <a:rPr lang="de-DE" dirty="0" smtClean="0"/>
+              <a:rPr lang="de-DE" sz="1050" dirty="0" smtClean="0"/>
             </a:br>
             <a:r>
-              <a:rPr lang="de-DE" dirty="0" smtClean="0"/>
-              <a:t>mache die Übung möglichst kurz danach.</a:t>
-            </a:r>
-            <a:endParaRPr lang="de-DE" dirty="0"/>
-          </a:p>
-          <a:p>
-            <a:r>
-              <a:rPr lang="de-DE" dirty="0"/>
-              <a:t>Schreibe in zwei Wochen acht </a:t>
-            </a:r>
-            <a:r>
-              <a:rPr lang="de-DE" dirty="0" smtClean="0"/>
-              <a:t>dieser </a:t>
-            </a:r>
-            <a:r>
-              <a:rPr lang="de-DE" dirty="0"/>
-              <a:t>B</a:t>
-            </a:r>
-            <a:r>
-              <a:rPr lang="de-DE" dirty="0" smtClean="0"/>
-              <a:t>egegnungen </a:t>
-            </a:r>
-            <a:r>
-              <a:rPr lang="de-DE" dirty="0"/>
-              <a:t>auf und besprich sie mit Deinen Trainingspartnern</a:t>
+              <a:rPr lang="de-DE" sz="1050" dirty="0" smtClean="0"/>
+              <a:t>Stelle Dir vor, dass Dein Gegenüber einen Hirntumor hat, der das </a:t>
+            </a:r>
+            <a:r>
+              <a:rPr lang="de-DE" sz="1050" dirty="0"/>
+              <a:t>V</a:t>
+            </a:r>
+            <a:r>
+              <a:rPr lang="de-DE" sz="1050" dirty="0" smtClean="0"/>
+              <a:t>erhalten auslöst und er nicht anders agieren kann. Das hilft Dir, sein Verhalten nicht auf Dich zu beziehen und emotional auszusteigen</a:t>
+            </a:r>
+            <a:r>
+              <a:rPr lang="de-DE" sz="1050" dirty="0" smtClean="0"/>
+              <a:t>.</a:t>
+            </a:r>
+            <a:r>
+              <a:rPr lang="de-DE" sz="1050" baseline="30000" dirty="0" smtClean="0"/>
+              <a:t>1</a:t>
+            </a:r>
+          </a:p>
+          <a:p>
+            <a:r>
+              <a:rPr lang="de-DE" sz="1050" dirty="0" smtClean="0"/>
+              <a:t>Mit </a:t>
+            </a:r>
+            <a:r>
+              <a:rPr lang="de-DE" sz="1050" dirty="0" smtClean="0"/>
+              <a:t>diesem Trick kannst Du auch wahrnehmen, wie sehr Deine Gefühle von </a:t>
+            </a:r>
+            <a:r>
+              <a:rPr lang="de-DE" sz="1050" dirty="0" smtClean="0"/>
+              <a:t/>
+            </a:r>
+            <a:br>
+              <a:rPr lang="de-DE" sz="1050" dirty="0" smtClean="0"/>
+            </a:br>
+            <a:r>
+              <a:rPr lang="de-DE" sz="1050" dirty="0" smtClean="0"/>
+              <a:t>Dir </a:t>
+            </a:r>
+            <a:r>
+              <a:rPr lang="de-DE" sz="1050" dirty="0" smtClean="0"/>
+              <a:t>und Deiner ganz persönlichen Interpretation der Welt abhängen</a:t>
             </a:r>
             <a:r>
               <a:rPr lang="de-DE" dirty="0" smtClean="0"/>
               <a:t>.</a:t>
-            </a:r>
-          </a:p>
-          <a:p>
-            <a:r>
-              <a:rPr lang="de-DE" dirty="0" smtClean="0"/>
-              <a:t>Solltest Du in der Situation emotional zu aufgeladen sein, hilft Dir ein kleiner Trick, um Abstand zu gewinnen:</a:t>
-            </a:r>
-            <a:br>
-              <a:rPr lang="de-DE" dirty="0" smtClean="0"/>
-            </a:br>
-            <a:r>
-              <a:rPr lang="de-DE" dirty="0" smtClean="0"/>
-              <a:t>Stelle Dir vor, dass Dein Gegenüber einen Hirntumor hat, der das </a:t>
-            </a:r>
-            <a:r>
-              <a:rPr lang="de-DE" dirty="0"/>
-              <a:t>V</a:t>
-            </a:r>
-            <a:r>
-              <a:rPr lang="de-DE" dirty="0" smtClean="0"/>
-              <a:t>erhalten auslöst und er nicht anders agieren kann. Das hilft Dir, sein Verhalten nicht auf Dich zu beziehen und emotional auszusteigen.</a:t>
-            </a:r>
-            <a:br>
-              <a:rPr lang="de-DE" dirty="0" smtClean="0"/>
-            </a:br>
-            <a:r>
-              <a:rPr lang="de-DE" dirty="0" smtClean="0"/>
-              <a:t>Mit diesem Trick kannst Du auch wahrnehmen, wie sehr Deine Gefühle von Dir und Deiner ganz persönlichen Interpretation der Welt abhängen.</a:t>
             </a:r>
             <a:endParaRPr lang="de-DE" dirty="0"/>
           </a:p>
@@ -2564,8 +2613,8 @@
         </p:nvSpPr>
         <p:spPr>
           <a:xfrm>
-            <a:off x="4283451" y="5057320"/>
-            <a:ext cx="2800767" cy="461665"/>
+            <a:off x="4170556" y="5089778"/>
+            <a:ext cx="2852229" cy="215444"/>
           </a:xfrm>
           <a:prstGeom prst="rect">
             <a:avLst/>
@@ -2579,6 +2628,19 @@
           <a:lstStyle/>
           <a:p>
             <a:r>
+              <a:rPr lang="de-DE" sz="800" baseline="30000" dirty="0" smtClean="0">
+                <a:solidFill>
+                  <a:schemeClr val="tx1">
+                    <a:lumMod val="50000"/>
+                    <a:lumOff val="50000"/>
+                  </a:schemeClr>
+                </a:solidFill>
+                <a:latin typeface="Avenir Light"/>
+                <a:cs typeface="Avenir Light"/>
+              </a:rPr>
+              <a:t>1 </a:t>
+            </a:r>
+            <a:r>
               <a:rPr lang="de-DE" sz="800" dirty="0" smtClean="0">
                 <a:solidFill>
                   <a:schemeClr val="tx1">
@@ -2589,7 +2651,20 @@
                 <a:latin typeface="Avenir Light"/>
                 <a:cs typeface="Avenir Light"/>
               </a:rPr>
-              <a:t>Quelle: Maurer, R.(2012): </a:t>
+              <a:t>Quelle</a:t>
+            </a:r>
+            <a:r>
+              <a:rPr lang="de-DE" sz="800" dirty="0" smtClean="0">
+                <a:solidFill>
+                  <a:schemeClr val="tx1">
+                    <a:lumMod val="50000"/>
+                    <a:lumOff val="50000"/>
+                  </a:schemeClr>
+                </a:solidFill>
+                <a:latin typeface="Avenir Light"/>
+                <a:cs typeface="Avenir Light"/>
+              </a:rPr>
+              <a:t>: Maurer, R.(2012): </a:t>
             </a:r>
             <a:r>
               <a:rPr lang="de-DE" sz="800" b="1" dirty="0" smtClean="0">
@@ -2730,27 +2805,6 @@
               </a:solidFill>
               <a:latin typeface="Avenir Light"/>
               <a:cs typeface="Avenir Light"/>
-            </a:endParaRPr>
-          </a:p>
-          <a:p>
-            <a:r>
-              <a:rPr lang="de-DE" dirty="0" smtClean="0">
-                <a:solidFill>
-                  <a:schemeClr val="tx1">
-                    <a:lumMod val="50000"/>
-                    <a:lumOff val="50000"/>
-                  </a:schemeClr>
-                </a:solidFill>
-              </a:rPr>
-              <a:t> </a:t>
-            </a:r>
-            <a:endParaRPr lang="de-DE" dirty="0">
-              <a:solidFill>
-                <a:schemeClr val="tx1">
-                  <a:lumMod val="50000"/>
-                  <a:lumOff val="50000"/>
-                </a:schemeClr>
-              </a:solidFill>
             </a:endParaRPr>
           </a:p>
         </p:txBody>
